--- a/ppt/6.pptx
+++ b/ppt/6.pptx
@@ -8,6 +8,9 @@
     <p:sldId id="258" r:id="rId2"/>
     <p:sldId id="256" r:id="rId3"/>
     <p:sldId id="257" r:id="rId4"/>
+    <p:sldId id="259" r:id="rId5"/>
+    <p:sldId id="260" r:id="rId6"/>
+    <p:sldId id="261" r:id="rId7"/>
   </p:sldIdLst>
   <p:sldSz cx="12192000" cy="6858000"/>
   <p:notesSz cx="6858000" cy="9144000"/>
@@ -261,7 +264,7 @@
           <a:p>
             <a:fld id="{5607B9D9-C207-4155-B438-75467CF731EF}" type="datetimeFigureOut">
               <a:rPr lang="en-US" smtClean="0"/>
-              <a:t>24-Oct-22</a:t>
+              <a:t>27-Oct-22</a:t>
             </a:fld>
             <a:endParaRPr lang="en-US"/>
           </a:p>
@@ -459,7 +462,7 @@
           <a:p>
             <a:fld id="{5607B9D9-C207-4155-B438-75467CF731EF}" type="datetimeFigureOut">
               <a:rPr lang="en-US" smtClean="0"/>
-              <a:t>24-Oct-22</a:t>
+              <a:t>27-Oct-22</a:t>
             </a:fld>
             <a:endParaRPr lang="en-US"/>
           </a:p>
@@ -667,7 +670,7 @@
           <a:p>
             <a:fld id="{5607B9D9-C207-4155-B438-75467CF731EF}" type="datetimeFigureOut">
               <a:rPr lang="en-US" smtClean="0"/>
-              <a:t>24-Oct-22</a:t>
+              <a:t>27-Oct-22</a:t>
             </a:fld>
             <a:endParaRPr lang="en-US"/>
           </a:p>
@@ -865,7 +868,7 @@
           <a:p>
             <a:fld id="{5607B9D9-C207-4155-B438-75467CF731EF}" type="datetimeFigureOut">
               <a:rPr lang="en-US" smtClean="0"/>
-              <a:t>24-Oct-22</a:t>
+              <a:t>27-Oct-22</a:t>
             </a:fld>
             <a:endParaRPr lang="en-US"/>
           </a:p>
@@ -1140,7 +1143,7 @@
           <a:p>
             <a:fld id="{5607B9D9-C207-4155-B438-75467CF731EF}" type="datetimeFigureOut">
               <a:rPr lang="en-US" smtClean="0"/>
-              <a:t>24-Oct-22</a:t>
+              <a:t>27-Oct-22</a:t>
             </a:fld>
             <a:endParaRPr lang="en-US"/>
           </a:p>
@@ -1405,7 +1408,7 @@
           <a:p>
             <a:fld id="{5607B9D9-C207-4155-B438-75467CF731EF}" type="datetimeFigureOut">
               <a:rPr lang="en-US" smtClean="0"/>
-              <a:t>24-Oct-22</a:t>
+              <a:t>27-Oct-22</a:t>
             </a:fld>
             <a:endParaRPr lang="en-US"/>
           </a:p>
@@ -1817,7 +1820,7 @@
           <a:p>
             <a:fld id="{5607B9D9-C207-4155-B438-75467CF731EF}" type="datetimeFigureOut">
               <a:rPr lang="en-US" smtClean="0"/>
-              <a:t>24-Oct-22</a:t>
+              <a:t>27-Oct-22</a:t>
             </a:fld>
             <a:endParaRPr lang="en-US"/>
           </a:p>
@@ -1958,7 +1961,7 @@
           <a:p>
             <a:fld id="{5607B9D9-C207-4155-B438-75467CF731EF}" type="datetimeFigureOut">
               <a:rPr lang="en-US" smtClean="0"/>
-              <a:t>24-Oct-22</a:t>
+              <a:t>27-Oct-22</a:t>
             </a:fld>
             <a:endParaRPr lang="en-US"/>
           </a:p>
@@ -2071,7 +2074,7 @@
           <a:p>
             <a:fld id="{5607B9D9-C207-4155-B438-75467CF731EF}" type="datetimeFigureOut">
               <a:rPr lang="en-US" smtClean="0"/>
-              <a:t>24-Oct-22</a:t>
+              <a:t>27-Oct-22</a:t>
             </a:fld>
             <a:endParaRPr lang="en-US"/>
           </a:p>
@@ -2382,7 +2385,7 @@
           <a:p>
             <a:fld id="{5607B9D9-C207-4155-B438-75467CF731EF}" type="datetimeFigureOut">
               <a:rPr lang="en-US" smtClean="0"/>
-              <a:t>24-Oct-22</a:t>
+              <a:t>27-Oct-22</a:t>
             </a:fld>
             <a:endParaRPr lang="en-US"/>
           </a:p>
@@ -2670,7 +2673,7 @@
           <a:p>
             <a:fld id="{5607B9D9-C207-4155-B438-75467CF731EF}" type="datetimeFigureOut">
               <a:rPr lang="en-US" smtClean="0"/>
-              <a:t>24-Oct-22</a:t>
+              <a:t>27-Oct-22</a:t>
             </a:fld>
             <a:endParaRPr lang="en-US"/>
           </a:p>
@@ -2911,7 +2914,7 @@
           <a:p>
             <a:fld id="{5607B9D9-C207-4155-B438-75467CF731EF}" type="datetimeFigureOut">
               <a:rPr lang="en-US" smtClean="0"/>
-              <a:t>24-Oct-22</a:t>
+              <a:t>27-Oct-22</a:t>
             </a:fld>
             <a:endParaRPr lang="en-US"/>
           </a:p>
@@ -4991,6 +4994,1214 @@
 </p:sld>
 </file>
 
+<file path=ppt/slides/slide4.xml><?xml version="1.0" encoding="utf-8"?>
+<p:sld xmlns:a="http://schemas.openxmlformats.org/drawingml/2006/main" xmlns:r="http://schemas.openxmlformats.org/officeDocument/2006/relationships" xmlns:p="http://schemas.openxmlformats.org/presentationml/2006/main">
+  <p:cSld>
+    <p:spTree>
+      <p:nvGrpSpPr>
+        <p:cNvPr id="1" name=""/>
+        <p:cNvGrpSpPr/>
+        <p:nvPr/>
+      </p:nvGrpSpPr>
+      <p:grpSpPr>
+        <a:xfrm>
+          <a:off x="0" y="0"/>
+          <a:ext cx="0" cy="0"/>
+          <a:chOff x="0" y="0"/>
+          <a:chExt cx="0" cy="0"/>
+        </a:xfrm>
+      </p:grpSpPr>
+      <p:pic>
+        <p:nvPicPr>
+          <p:cNvPr id="5" name="Picture 4">
+            <a:extLst>
+              <a:ext uri="{FF2B5EF4-FFF2-40B4-BE49-F238E27FC236}">
+                <a16:creationId xmlns:a16="http://schemas.microsoft.com/office/drawing/2014/main" id="{AD1BAA09-1C06-6DCC-9432-9C442C707BCF}"/>
+              </a:ext>
+            </a:extLst>
+          </p:cNvPr>
+          <p:cNvPicPr>
+            <a:picLocks noChangeAspect="1"/>
+          </p:cNvPicPr>
+          <p:nvPr/>
+        </p:nvPicPr>
+        <p:blipFill>
+          <a:blip r:embed="rId2"/>
+          <a:stretch>
+            <a:fillRect/>
+          </a:stretch>
+        </p:blipFill>
+        <p:spPr>
+          <a:xfrm>
+            <a:off x="131135" y="92629"/>
+            <a:ext cx="6458479" cy="3466559"/>
+          </a:xfrm>
+          <a:prstGeom prst="rect">
+            <a:avLst/>
+          </a:prstGeom>
+        </p:spPr>
+      </p:pic>
+      <p:pic>
+        <p:nvPicPr>
+          <p:cNvPr id="7" name="Picture 6">
+            <a:extLst>
+              <a:ext uri="{FF2B5EF4-FFF2-40B4-BE49-F238E27FC236}">
+                <a16:creationId xmlns:a16="http://schemas.microsoft.com/office/drawing/2014/main" id="{82EBE7E9-A29F-8AC9-73F1-04E38CACB148}"/>
+              </a:ext>
+            </a:extLst>
+          </p:cNvPr>
+          <p:cNvPicPr>
+            <a:picLocks noChangeAspect="1"/>
+          </p:cNvPicPr>
+          <p:nvPr/>
+        </p:nvPicPr>
+        <p:blipFill>
+          <a:blip r:embed="rId3"/>
+          <a:stretch>
+            <a:fillRect/>
+          </a:stretch>
+        </p:blipFill>
+        <p:spPr>
+          <a:xfrm>
+            <a:off x="5109881" y="2944809"/>
+            <a:ext cx="6950984" cy="3730909"/>
+          </a:xfrm>
+          <a:prstGeom prst="rect">
+            <a:avLst/>
+          </a:prstGeom>
+        </p:spPr>
+      </p:pic>
+      <p:sp>
+        <p:nvSpPr>
+          <p:cNvPr id="9" name="Rectangle 8">
+            <a:extLst>
+              <a:ext uri="{FF2B5EF4-FFF2-40B4-BE49-F238E27FC236}">
+                <a16:creationId xmlns:a16="http://schemas.microsoft.com/office/drawing/2014/main" id="{B9C5F7B4-5DA7-7CE2-68D5-CF6F6030FC8B}"/>
+              </a:ext>
+            </a:extLst>
+          </p:cNvPr>
+          <p:cNvSpPr/>
+          <p:nvPr/>
+        </p:nvSpPr>
+        <p:spPr>
+          <a:xfrm>
+            <a:off x="8170798" y="1805032"/>
+            <a:ext cx="3059663" cy="580132"/>
+          </a:xfrm>
+          <a:prstGeom prst="rect">
+            <a:avLst/>
+          </a:prstGeom>
+          <a:noFill/>
+          <a:ln w="25400">
+            <a:solidFill>
+              <a:srgbClr val="FF0000"/>
+            </a:solidFill>
+          </a:ln>
+        </p:spPr>
+        <p:style>
+          <a:lnRef idx="2">
+            <a:schemeClr val="accent1">
+              <a:shade val="50000"/>
+            </a:schemeClr>
+          </a:lnRef>
+          <a:fillRef idx="1">
+            <a:schemeClr val="accent1"/>
+          </a:fillRef>
+          <a:effectRef idx="0">
+            <a:schemeClr val="accent1"/>
+          </a:effectRef>
+          <a:fontRef idx="minor">
+            <a:schemeClr val="lt1"/>
+          </a:fontRef>
+        </p:style>
+        <p:txBody>
+          <a:bodyPr rtlCol="0" anchor="t" anchorCtr="0"/>
+          <a:lstStyle/>
+          <a:p>
+            <a:pPr algn="r" rtl="1"/>
+            <a:r>
+              <a:rPr lang="en-US" sz="1100" dirty="0">
+                <a:solidFill>
+                  <a:srgbClr val="FF0000"/>
+                </a:solidFill>
+              </a:rPr>
+              <a:t>5</a:t>
+            </a:r>
+          </a:p>
+          <a:p>
+            <a:pPr rtl="1"/>
+            <a:r>
+              <a:rPr lang="en-US" sz="1100" dirty="0">
+                <a:solidFill>
+                  <a:schemeClr val="tx1"/>
+                </a:solidFill>
+              </a:rPr>
+              <a:t>Copy the configuration from the guide and paste it </a:t>
+            </a:r>
+          </a:p>
+        </p:txBody>
+      </p:sp>
+      <p:sp>
+        <p:nvSpPr>
+          <p:cNvPr id="10" name="Rectangle 9">
+            <a:extLst>
+              <a:ext uri="{FF2B5EF4-FFF2-40B4-BE49-F238E27FC236}">
+                <a16:creationId xmlns:a16="http://schemas.microsoft.com/office/drawing/2014/main" id="{5C27A1DC-9A15-DF73-A3C1-62A01816F9A8}"/>
+              </a:ext>
+            </a:extLst>
+          </p:cNvPr>
+          <p:cNvSpPr/>
+          <p:nvPr/>
+        </p:nvSpPr>
+        <p:spPr>
+          <a:xfrm>
+            <a:off x="131135" y="2183458"/>
+            <a:ext cx="956748" cy="201706"/>
+          </a:xfrm>
+          <a:prstGeom prst="rect">
+            <a:avLst/>
+          </a:prstGeom>
+          <a:noFill/>
+          <a:ln w="25400">
+            <a:solidFill>
+              <a:srgbClr val="FF0000"/>
+            </a:solidFill>
+          </a:ln>
+        </p:spPr>
+        <p:style>
+          <a:lnRef idx="2">
+            <a:schemeClr val="accent1">
+              <a:shade val="50000"/>
+            </a:schemeClr>
+          </a:lnRef>
+          <a:fillRef idx="1">
+            <a:schemeClr val="accent1"/>
+          </a:fillRef>
+          <a:effectRef idx="0">
+            <a:schemeClr val="accent1"/>
+          </a:effectRef>
+          <a:fontRef idx="minor">
+            <a:schemeClr val="lt1"/>
+          </a:fontRef>
+        </p:style>
+        <p:txBody>
+          <a:bodyPr rtlCol="0" anchor="t" anchorCtr="0"/>
+          <a:lstStyle/>
+          <a:p>
+            <a:pPr algn="r" rtl="1"/>
+            <a:r>
+              <a:rPr lang="en-US" sz="1100" dirty="0">
+                <a:solidFill>
+                  <a:srgbClr val="FF0000"/>
+                </a:solidFill>
+              </a:rPr>
+              <a:t>1</a:t>
+            </a:r>
+          </a:p>
+        </p:txBody>
+      </p:sp>
+      <p:sp>
+        <p:nvSpPr>
+          <p:cNvPr id="11" name="Rectangle 10">
+            <a:extLst>
+              <a:ext uri="{FF2B5EF4-FFF2-40B4-BE49-F238E27FC236}">
+                <a16:creationId xmlns:a16="http://schemas.microsoft.com/office/drawing/2014/main" id="{C73BA391-3205-9010-4FC2-DBD910253BF9}"/>
+              </a:ext>
+            </a:extLst>
+          </p:cNvPr>
+          <p:cNvSpPr/>
+          <p:nvPr/>
+        </p:nvSpPr>
+        <p:spPr>
+          <a:xfrm>
+            <a:off x="1185386" y="2183458"/>
+            <a:ext cx="956748" cy="201706"/>
+          </a:xfrm>
+          <a:prstGeom prst="rect">
+            <a:avLst/>
+          </a:prstGeom>
+          <a:noFill/>
+          <a:ln w="25400">
+            <a:solidFill>
+              <a:srgbClr val="FF0000"/>
+            </a:solidFill>
+          </a:ln>
+        </p:spPr>
+        <p:style>
+          <a:lnRef idx="2">
+            <a:schemeClr val="accent1">
+              <a:shade val="50000"/>
+            </a:schemeClr>
+          </a:lnRef>
+          <a:fillRef idx="1">
+            <a:schemeClr val="accent1"/>
+          </a:fillRef>
+          <a:effectRef idx="0">
+            <a:schemeClr val="accent1"/>
+          </a:effectRef>
+          <a:fontRef idx="minor">
+            <a:schemeClr val="lt1"/>
+          </a:fontRef>
+        </p:style>
+        <p:txBody>
+          <a:bodyPr rtlCol="0" anchor="t" anchorCtr="0"/>
+          <a:lstStyle/>
+          <a:p>
+            <a:pPr algn="r" rtl="1"/>
+            <a:r>
+              <a:rPr lang="en-US" sz="1100" dirty="0">
+                <a:solidFill>
+                  <a:srgbClr val="FF0000"/>
+                </a:solidFill>
+              </a:rPr>
+              <a:t>2</a:t>
+            </a:r>
+          </a:p>
+        </p:txBody>
+      </p:sp>
+      <p:sp>
+        <p:nvSpPr>
+          <p:cNvPr id="12" name="Rectangle 11">
+            <a:extLst>
+              <a:ext uri="{FF2B5EF4-FFF2-40B4-BE49-F238E27FC236}">
+                <a16:creationId xmlns:a16="http://schemas.microsoft.com/office/drawing/2014/main" id="{6DBAAC38-D1CA-F3FE-7DFD-839F7BC78619}"/>
+              </a:ext>
+            </a:extLst>
+          </p:cNvPr>
+          <p:cNvSpPr/>
+          <p:nvPr/>
+        </p:nvSpPr>
+        <p:spPr>
+          <a:xfrm>
+            <a:off x="1364680" y="783824"/>
+            <a:ext cx="956748" cy="201706"/>
+          </a:xfrm>
+          <a:prstGeom prst="rect">
+            <a:avLst/>
+          </a:prstGeom>
+          <a:noFill/>
+          <a:ln w="25400">
+            <a:solidFill>
+              <a:srgbClr val="FF0000"/>
+            </a:solidFill>
+          </a:ln>
+        </p:spPr>
+        <p:style>
+          <a:lnRef idx="2">
+            <a:schemeClr val="accent1">
+              <a:shade val="50000"/>
+            </a:schemeClr>
+          </a:lnRef>
+          <a:fillRef idx="1">
+            <a:schemeClr val="accent1"/>
+          </a:fillRef>
+          <a:effectRef idx="0">
+            <a:schemeClr val="accent1"/>
+          </a:effectRef>
+          <a:fontRef idx="minor">
+            <a:schemeClr val="lt1"/>
+          </a:fontRef>
+        </p:style>
+        <p:txBody>
+          <a:bodyPr rtlCol="0" anchor="t" anchorCtr="0"/>
+          <a:lstStyle/>
+          <a:p>
+            <a:pPr algn="r" rtl="1"/>
+            <a:r>
+              <a:rPr lang="en-US" sz="1100" dirty="0">
+                <a:solidFill>
+                  <a:srgbClr val="FF0000"/>
+                </a:solidFill>
+              </a:rPr>
+              <a:t>3</a:t>
+            </a:r>
+          </a:p>
+        </p:txBody>
+      </p:sp>
+      <p:sp>
+        <p:nvSpPr>
+          <p:cNvPr id="13" name="Rectangle 12">
+            <a:extLst>
+              <a:ext uri="{FF2B5EF4-FFF2-40B4-BE49-F238E27FC236}">
+                <a16:creationId xmlns:a16="http://schemas.microsoft.com/office/drawing/2014/main" id="{E30BE61D-69F9-508F-B90C-F98E789354C1}"/>
+              </a:ext>
+            </a:extLst>
+          </p:cNvPr>
+          <p:cNvSpPr/>
+          <p:nvPr/>
+        </p:nvSpPr>
+        <p:spPr>
+          <a:xfrm>
+            <a:off x="6265386" y="3328147"/>
+            <a:ext cx="613532" cy="201706"/>
+          </a:xfrm>
+          <a:prstGeom prst="rect">
+            <a:avLst/>
+          </a:prstGeom>
+          <a:noFill/>
+          <a:ln w="25400">
+            <a:solidFill>
+              <a:srgbClr val="FF0000"/>
+            </a:solidFill>
+          </a:ln>
+        </p:spPr>
+        <p:style>
+          <a:lnRef idx="2">
+            <a:schemeClr val="accent1">
+              <a:shade val="50000"/>
+            </a:schemeClr>
+          </a:lnRef>
+          <a:fillRef idx="1">
+            <a:schemeClr val="accent1"/>
+          </a:fillRef>
+          <a:effectRef idx="0">
+            <a:schemeClr val="accent1"/>
+          </a:effectRef>
+          <a:fontRef idx="minor">
+            <a:schemeClr val="lt1"/>
+          </a:fontRef>
+        </p:style>
+        <p:txBody>
+          <a:bodyPr rtlCol="0" anchor="t" anchorCtr="0"/>
+          <a:lstStyle/>
+          <a:p>
+            <a:pPr algn="r" rtl="1"/>
+            <a:r>
+              <a:rPr lang="en-US" sz="1100" dirty="0">
+                <a:solidFill>
+                  <a:srgbClr val="FF0000"/>
+                </a:solidFill>
+              </a:rPr>
+              <a:t>4</a:t>
+            </a:r>
+          </a:p>
+        </p:txBody>
+      </p:sp>
+      <p:sp>
+        <p:nvSpPr>
+          <p:cNvPr id="14" name="Rectangle 13">
+            <a:extLst>
+              <a:ext uri="{FF2B5EF4-FFF2-40B4-BE49-F238E27FC236}">
+                <a16:creationId xmlns:a16="http://schemas.microsoft.com/office/drawing/2014/main" id="{C276F103-B9D1-DE78-1D32-430474562FAE}"/>
+              </a:ext>
+            </a:extLst>
+          </p:cNvPr>
+          <p:cNvSpPr/>
+          <p:nvPr/>
+        </p:nvSpPr>
+        <p:spPr>
+          <a:xfrm>
+            <a:off x="11104117" y="6388100"/>
+            <a:ext cx="956748" cy="201706"/>
+          </a:xfrm>
+          <a:prstGeom prst="rect">
+            <a:avLst/>
+          </a:prstGeom>
+          <a:noFill/>
+          <a:ln w="25400">
+            <a:solidFill>
+              <a:srgbClr val="FF0000"/>
+            </a:solidFill>
+          </a:ln>
+        </p:spPr>
+        <p:style>
+          <a:lnRef idx="2">
+            <a:schemeClr val="accent1">
+              <a:shade val="50000"/>
+            </a:schemeClr>
+          </a:lnRef>
+          <a:fillRef idx="1">
+            <a:schemeClr val="accent1"/>
+          </a:fillRef>
+          <a:effectRef idx="0">
+            <a:schemeClr val="accent1"/>
+          </a:effectRef>
+          <a:fontRef idx="minor">
+            <a:schemeClr val="lt1"/>
+          </a:fontRef>
+        </p:style>
+        <p:txBody>
+          <a:bodyPr rtlCol="0" anchor="t" anchorCtr="0"/>
+          <a:lstStyle/>
+          <a:p>
+            <a:pPr algn="r" rtl="1"/>
+            <a:r>
+              <a:rPr lang="en-US" sz="1100" dirty="0">
+                <a:solidFill>
+                  <a:srgbClr val="FF0000"/>
+                </a:solidFill>
+              </a:rPr>
+              <a:t>6</a:t>
+            </a:r>
+          </a:p>
+        </p:txBody>
+      </p:sp>
+    </p:spTree>
+    <p:extLst>
+      <p:ext uri="{BB962C8B-B14F-4D97-AF65-F5344CB8AC3E}">
+        <p14:creationId xmlns:p14="http://schemas.microsoft.com/office/powerpoint/2010/main" val="3525766405"/>
+      </p:ext>
+    </p:extLst>
+  </p:cSld>
+  <p:clrMapOvr>
+    <a:masterClrMapping/>
+  </p:clrMapOvr>
+</p:sld>
+</file>
+
+<file path=ppt/slides/slide5.xml><?xml version="1.0" encoding="utf-8"?>
+<p:sld xmlns:a="http://schemas.openxmlformats.org/drawingml/2006/main" xmlns:r="http://schemas.openxmlformats.org/officeDocument/2006/relationships" xmlns:p="http://schemas.openxmlformats.org/presentationml/2006/main">
+  <p:cSld>
+    <p:spTree>
+      <p:nvGrpSpPr>
+        <p:cNvPr id="1" name=""/>
+        <p:cNvGrpSpPr/>
+        <p:nvPr/>
+      </p:nvGrpSpPr>
+      <p:grpSpPr>
+        <a:xfrm>
+          <a:off x="0" y="0"/>
+          <a:ext cx="0" cy="0"/>
+          <a:chOff x="0" y="0"/>
+          <a:chExt cx="0" cy="0"/>
+        </a:xfrm>
+      </p:grpSpPr>
+      <p:pic>
+        <p:nvPicPr>
+          <p:cNvPr id="3" name="Picture 2">
+            <a:extLst>
+              <a:ext uri="{FF2B5EF4-FFF2-40B4-BE49-F238E27FC236}">
+                <a16:creationId xmlns:a16="http://schemas.microsoft.com/office/drawing/2014/main" id="{4B539221-E699-3F2F-F311-6015F3F8AC99}"/>
+              </a:ext>
+            </a:extLst>
+          </p:cNvPr>
+          <p:cNvPicPr>
+            <a:picLocks noChangeAspect="1"/>
+          </p:cNvPicPr>
+          <p:nvPr/>
+        </p:nvPicPr>
+        <p:blipFill>
+          <a:blip r:embed="rId2"/>
+          <a:stretch>
+            <a:fillRect/>
+          </a:stretch>
+        </p:blipFill>
+        <p:spPr>
+          <a:xfrm>
+            <a:off x="0" y="0"/>
+            <a:ext cx="5806454" cy="2084751"/>
+          </a:xfrm>
+          <a:prstGeom prst="rect">
+            <a:avLst/>
+          </a:prstGeom>
+        </p:spPr>
+      </p:pic>
+      <p:pic>
+        <p:nvPicPr>
+          <p:cNvPr id="6" name="Picture 5">
+            <a:extLst>
+              <a:ext uri="{FF2B5EF4-FFF2-40B4-BE49-F238E27FC236}">
+                <a16:creationId xmlns:a16="http://schemas.microsoft.com/office/drawing/2014/main" id="{DDD8BF38-A641-1B2D-F351-3BE5392F14E3}"/>
+              </a:ext>
+            </a:extLst>
+          </p:cNvPr>
+          <p:cNvPicPr>
+            <a:picLocks noChangeAspect="1"/>
+          </p:cNvPicPr>
+          <p:nvPr/>
+        </p:nvPicPr>
+        <p:blipFill>
+          <a:blip r:embed="rId3"/>
+          <a:stretch>
+            <a:fillRect/>
+          </a:stretch>
+        </p:blipFill>
+        <p:spPr>
+          <a:xfrm>
+            <a:off x="0" y="2084751"/>
+            <a:ext cx="5808449" cy="1715128"/>
+          </a:xfrm>
+          <a:prstGeom prst="rect">
+            <a:avLst/>
+          </a:prstGeom>
+        </p:spPr>
+      </p:pic>
+      <p:pic>
+        <p:nvPicPr>
+          <p:cNvPr id="15" name="Picture 14">
+            <a:extLst>
+              <a:ext uri="{FF2B5EF4-FFF2-40B4-BE49-F238E27FC236}">
+                <a16:creationId xmlns:a16="http://schemas.microsoft.com/office/drawing/2014/main" id="{08CC5B0C-DA3A-66F2-37A6-1367F92C3D53}"/>
+              </a:ext>
+            </a:extLst>
+          </p:cNvPr>
+          <p:cNvPicPr>
+            <a:picLocks noChangeAspect="1"/>
+          </p:cNvPicPr>
+          <p:nvPr/>
+        </p:nvPicPr>
+        <p:blipFill>
+          <a:blip r:embed="rId4"/>
+          <a:stretch>
+            <a:fillRect/>
+          </a:stretch>
+        </p:blipFill>
+        <p:spPr>
+          <a:xfrm>
+            <a:off x="5806454" y="0"/>
+            <a:ext cx="4167829" cy="3408667"/>
+          </a:xfrm>
+          <a:prstGeom prst="rect">
+            <a:avLst/>
+          </a:prstGeom>
+        </p:spPr>
+      </p:pic>
+      <p:pic>
+        <p:nvPicPr>
+          <p:cNvPr id="17" name="Picture 16">
+            <a:extLst>
+              <a:ext uri="{FF2B5EF4-FFF2-40B4-BE49-F238E27FC236}">
+                <a16:creationId xmlns:a16="http://schemas.microsoft.com/office/drawing/2014/main" id="{5389E1E2-F77E-F80E-B709-4C058A077B69}"/>
+              </a:ext>
+            </a:extLst>
+          </p:cNvPr>
+          <p:cNvPicPr>
+            <a:picLocks noChangeAspect="1"/>
+          </p:cNvPicPr>
+          <p:nvPr/>
+        </p:nvPicPr>
+        <p:blipFill>
+          <a:blip r:embed="rId5"/>
+          <a:stretch>
+            <a:fillRect/>
+          </a:stretch>
+        </p:blipFill>
+        <p:spPr>
+          <a:xfrm>
+            <a:off x="4265266" y="3080007"/>
+            <a:ext cx="4619410" cy="3777993"/>
+          </a:xfrm>
+          <a:prstGeom prst="rect">
+            <a:avLst/>
+          </a:prstGeom>
+        </p:spPr>
+      </p:pic>
+    </p:spTree>
+    <p:extLst>
+      <p:ext uri="{BB962C8B-B14F-4D97-AF65-F5344CB8AC3E}">
+        <p14:creationId xmlns:p14="http://schemas.microsoft.com/office/powerpoint/2010/main" val="4284897086"/>
+      </p:ext>
+    </p:extLst>
+  </p:cSld>
+  <p:clrMapOvr>
+    <a:masterClrMapping/>
+  </p:clrMapOvr>
+</p:sld>
+</file>
+
+<file path=ppt/slides/slide6.xml><?xml version="1.0" encoding="utf-8"?>
+<p:sld xmlns:a="http://schemas.openxmlformats.org/drawingml/2006/main" xmlns:r="http://schemas.openxmlformats.org/officeDocument/2006/relationships" xmlns:p="http://schemas.openxmlformats.org/presentationml/2006/main">
+  <p:cSld>
+    <p:spTree>
+      <p:nvGrpSpPr>
+        <p:cNvPr id="1" name=""/>
+        <p:cNvGrpSpPr/>
+        <p:nvPr/>
+      </p:nvGrpSpPr>
+      <p:grpSpPr>
+        <a:xfrm>
+          <a:off x="0" y="0"/>
+          <a:ext cx="0" cy="0"/>
+          <a:chOff x="0" y="0"/>
+          <a:chExt cx="0" cy="0"/>
+        </a:xfrm>
+      </p:grpSpPr>
+      <p:pic>
+        <p:nvPicPr>
+          <p:cNvPr id="3" name="Picture 2">
+            <a:extLst>
+              <a:ext uri="{FF2B5EF4-FFF2-40B4-BE49-F238E27FC236}">
+                <a16:creationId xmlns:a16="http://schemas.microsoft.com/office/drawing/2014/main" id="{868FF2BE-1D45-FD33-330A-697F9B5E6B84}"/>
+              </a:ext>
+            </a:extLst>
+          </p:cNvPr>
+          <p:cNvPicPr>
+            <a:picLocks noChangeAspect="1"/>
+          </p:cNvPicPr>
+          <p:nvPr/>
+        </p:nvPicPr>
+        <p:blipFill>
+          <a:blip r:embed="rId2"/>
+          <a:stretch>
+            <a:fillRect/>
+          </a:stretch>
+        </p:blipFill>
+        <p:spPr>
+          <a:xfrm>
+            <a:off x="0" y="0"/>
+            <a:ext cx="7414853" cy="3648888"/>
+          </a:xfrm>
+          <a:prstGeom prst="rect">
+            <a:avLst/>
+          </a:prstGeom>
+        </p:spPr>
+      </p:pic>
+      <p:pic>
+        <p:nvPicPr>
+          <p:cNvPr id="6" name="Picture 5">
+            <a:extLst>
+              <a:ext uri="{FF2B5EF4-FFF2-40B4-BE49-F238E27FC236}">
+                <a16:creationId xmlns:a16="http://schemas.microsoft.com/office/drawing/2014/main" id="{EE2D2187-5E9A-3BA7-1ADE-60A8FA3601F3}"/>
+              </a:ext>
+            </a:extLst>
+          </p:cNvPr>
+          <p:cNvPicPr>
+            <a:picLocks noChangeAspect="1"/>
+          </p:cNvPicPr>
+          <p:nvPr/>
+        </p:nvPicPr>
+        <p:blipFill>
+          <a:blip r:embed="rId3"/>
+          <a:stretch>
+            <a:fillRect/>
+          </a:stretch>
+        </p:blipFill>
+        <p:spPr>
+          <a:xfrm>
+            <a:off x="0" y="3067587"/>
+            <a:ext cx="5150069" cy="1866255"/>
+          </a:xfrm>
+          <a:prstGeom prst="rect">
+            <a:avLst/>
+          </a:prstGeom>
+        </p:spPr>
+      </p:pic>
+      <p:pic>
+        <p:nvPicPr>
+          <p:cNvPr id="19" name="Picture 18">
+            <a:extLst>
+              <a:ext uri="{FF2B5EF4-FFF2-40B4-BE49-F238E27FC236}">
+                <a16:creationId xmlns:a16="http://schemas.microsoft.com/office/drawing/2014/main" id="{07AF5791-D5C9-E6BA-55FB-A72887F7BFE6}"/>
+              </a:ext>
+            </a:extLst>
+          </p:cNvPr>
+          <p:cNvPicPr>
+            <a:picLocks noChangeAspect="1"/>
+          </p:cNvPicPr>
+          <p:nvPr/>
+        </p:nvPicPr>
+        <p:blipFill>
+          <a:blip r:embed="rId4"/>
+          <a:stretch>
+            <a:fillRect/>
+          </a:stretch>
+        </p:blipFill>
+        <p:spPr>
+          <a:xfrm>
+            <a:off x="5150069" y="3840690"/>
+            <a:ext cx="6861428" cy="3017310"/>
+          </a:xfrm>
+          <a:prstGeom prst="rect">
+            <a:avLst/>
+          </a:prstGeom>
+        </p:spPr>
+      </p:pic>
+      <p:sp>
+        <p:nvSpPr>
+          <p:cNvPr id="20" name="Rectangle 19">
+            <a:extLst>
+              <a:ext uri="{FF2B5EF4-FFF2-40B4-BE49-F238E27FC236}">
+                <a16:creationId xmlns:a16="http://schemas.microsoft.com/office/drawing/2014/main" id="{4937F0DD-7197-9B67-EFF7-3F969864F1AA}"/>
+              </a:ext>
+            </a:extLst>
+          </p:cNvPr>
+          <p:cNvSpPr/>
+          <p:nvPr/>
+        </p:nvSpPr>
+        <p:spPr>
+          <a:xfrm>
+            <a:off x="8693312" y="1272720"/>
+            <a:ext cx="3059663" cy="580132"/>
+          </a:xfrm>
+          <a:prstGeom prst="rect">
+            <a:avLst/>
+          </a:prstGeom>
+          <a:noFill/>
+          <a:ln w="25400">
+            <a:solidFill>
+              <a:srgbClr val="FF0000"/>
+            </a:solidFill>
+          </a:ln>
+        </p:spPr>
+        <p:style>
+          <a:lnRef idx="2">
+            <a:schemeClr val="accent1">
+              <a:shade val="50000"/>
+            </a:schemeClr>
+          </a:lnRef>
+          <a:fillRef idx="1">
+            <a:schemeClr val="accent1"/>
+          </a:fillRef>
+          <a:effectRef idx="0">
+            <a:schemeClr val="accent1"/>
+          </a:effectRef>
+          <a:fontRef idx="minor">
+            <a:schemeClr val="lt1"/>
+          </a:fontRef>
+        </p:style>
+        <p:txBody>
+          <a:bodyPr rtlCol="0" anchor="t" anchorCtr="0"/>
+          <a:lstStyle/>
+          <a:p>
+            <a:pPr algn="r" rtl="1"/>
+            <a:r>
+              <a:rPr lang="en-US" sz="1100" dirty="0">
+                <a:solidFill>
+                  <a:srgbClr val="FF0000"/>
+                </a:solidFill>
+              </a:rPr>
+              <a:t>7</a:t>
+            </a:r>
+          </a:p>
+          <a:p>
+            <a:pPr rtl="1"/>
+            <a:r>
+              <a:rPr lang="en-US" sz="1100" dirty="0">
+                <a:solidFill>
+                  <a:schemeClr val="tx1"/>
+                </a:solidFill>
+              </a:rPr>
+              <a:t>Copy the configuration from the guide and paste it </a:t>
+            </a:r>
+          </a:p>
+        </p:txBody>
+      </p:sp>
+      <p:sp>
+        <p:nvSpPr>
+          <p:cNvPr id="23" name="Rectangle 22">
+            <a:extLst>
+              <a:ext uri="{FF2B5EF4-FFF2-40B4-BE49-F238E27FC236}">
+                <a16:creationId xmlns:a16="http://schemas.microsoft.com/office/drawing/2014/main" id="{FC4B2DE3-C9A8-E2B1-FD57-02D3A4776074}"/>
+              </a:ext>
+            </a:extLst>
+          </p:cNvPr>
+          <p:cNvSpPr/>
+          <p:nvPr/>
+        </p:nvSpPr>
+        <p:spPr>
+          <a:xfrm>
+            <a:off x="113717" y="2415925"/>
+            <a:ext cx="956748" cy="201706"/>
+          </a:xfrm>
+          <a:prstGeom prst="rect">
+            <a:avLst/>
+          </a:prstGeom>
+          <a:noFill/>
+          <a:ln w="25400">
+            <a:solidFill>
+              <a:srgbClr val="FF0000"/>
+            </a:solidFill>
+          </a:ln>
+        </p:spPr>
+        <p:style>
+          <a:lnRef idx="2">
+            <a:schemeClr val="accent1">
+              <a:shade val="50000"/>
+            </a:schemeClr>
+          </a:lnRef>
+          <a:fillRef idx="1">
+            <a:schemeClr val="accent1"/>
+          </a:fillRef>
+          <a:effectRef idx="0">
+            <a:schemeClr val="accent1"/>
+          </a:effectRef>
+          <a:fontRef idx="minor">
+            <a:schemeClr val="lt1"/>
+          </a:fontRef>
+        </p:style>
+        <p:txBody>
+          <a:bodyPr rtlCol="0" anchor="t" anchorCtr="0"/>
+          <a:lstStyle/>
+          <a:p>
+            <a:pPr algn="r" rtl="1"/>
+            <a:r>
+              <a:rPr lang="en-US" sz="1100" dirty="0">
+                <a:solidFill>
+                  <a:srgbClr val="FF0000"/>
+                </a:solidFill>
+              </a:rPr>
+              <a:t>1</a:t>
+            </a:r>
+          </a:p>
+        </p:txBody>
+      </p:sp>
+      <p:sp>
+        <p:nvSpPr>
+          <p:cNvPr id="24" name="Rectangle 23">
+            <a:extLst>
+              <a:ext uri="{FF2B5EF4-FFF2-40B4-BE49-F238E27FC236}">
+                <a16:creationId xmlns:a16="http://schemas.microsoft.com/office/drawing/2014/main" id="{96205CD6-3DB8-43B7-EF3E-06141B5A63C9}"/>
+              </a:ext>
+            </a:extLst>
+          </p:cNvPr>
+          <p:cNvSpPr/>
+          <p:nvPr/>
+        </p:nvSpPr>
+        <p:spPr>
+          <a:xfrm>
+            <a:off x="1231320" y="2415925"/>
+            <a:ext cx="956748" cy="201706"/>
+          </a:xfrm>
+          <a:prstGeom prst="rect">
+            <a:avLst/>
+          </a:prstGeom>
+          <a:noFill/>
+          <a:ln w="25400">
+            <a:solidFill>
+              <a:srgbClr val="FF0000"/>
+            </a:solidFill>
+          </a:ln>
+        </p:spPr>
+        <p:style>
+          <a:lnRef idx="2">
+            <a:schemeClr val="accent1">
+              <a:shade val="50000"/>
+            </a:schemeClr>
+          </a:lnRef>
+          <a:fillRef idx="1">
+            <a:schemeClr val="accent1"/>
+          </a:fillRef>
+          <a:effectRef idx="0">
+            <a:schemeClr val="accent1"/>
+          </a:effectRef>
+          <a:fontRef idx="minor">
+            <a:schemeClr val="lt1"/>
+          </a:fontRef>
+        </p:style>
+        <p:txBody>
+          <a:bodyPr rtlCol="0" anchor="t" anchorCtr="0"/>
+          <a:lstStyle/>
+          <a:p>
+            <a:pPr algn="r" rtl="1"/>
+            <a:r>
+              <a:rPr lang="en-US" sz="1100" dirty="0">
+                <a:solidFill>
+                  <a:srgbClr val="FF0000"/>
+                </a:solidFill>
+              </a:rPr>
+              <a:t>2</a:t>
+            </a:r>
+          </a:p>
+        </p:txBody>
+      </p:sp>
+      <p:sp>
+        <p:nvSpPr>
+          <p:cNvPr id="25" name="Rectangle 24">
+            <a:extLst>
+              <a:ext uri="{FF2B5EF4-FFF2-40B4-BE49-F238E27FC236}">
+                <a16:creationId xmlns:a16="http://schemas.microsoft.com/office/drawing/2014/main" id="{76E98A1E-6369-C948-7641-251C7C92914D}"/>
+              </a:ext>
+            </a:extLst>
+          </p:cNvPr>
+          <p:cNvSpPr/>
+          <p:nvPr/>
+        </p:nvSpPr>
+        <p:spPr>
+          <a:xfrm>
+            <a:off x="6618960" y="1631554"/>
+            <a:ext cx="956748" cy="201706"/>
+          </a:xfrm>
+          <a:prstGeom prst="rect">
+            <a:avLst/>
+          </a:prstGeom>
+          <a:noFill/>
+          <a:ln w="25400">
+            <a:solidFill>
+              <a:srgbClr val="FF0000"/>
+            </a:solidFill>
+          </a:ln>
+        </p:spPr>
+        <p:style>
+          <a:lnRef idx="2">
+            <a:schemeClr val="accent1">
+              <a:shade val="50000"/>
+            </a:schemeClr>
+          </a:lnRef>
+          <a:fillRef idx="1">
+            <a:schemeClr val="accent1"/>
+          </a:fillRef>
+          <a:effectRef idx="0">
+            <a:schemeClr val="accent1"/>
+          </a:effectRef>
+          <a:fontRef idx="minor">
+            <a:schemeClr val="lt1"/>
+          </a:fontRef>
+        </p:style>
+        <p:txBody>
+          <a:bodyPr rtlCol="0" anchor="t" anchorCtr="0"/>
+          <a:lstStyle/>
+          <a:p>
+            <a:pPr algn="r" rtl="1"/>
+            <a:r>
+              <a:rPr lang="en-US" sz="1100" dirty="0">
+                <a:solidFill>
+                  <a:srgbClr val="FF0000"/>
+                </a:solidFill>
+              </a:rPr>
+              <a:t>3</a:t>
+            </a:r>
+          </a:p>
+        </p:txBody>
+      </p:sp>
+      <p:sp>
+        <p:nvSpPr>
+          <p:cNvPr id="26" name="Rectangle 25">
+            <a:extLst>
+              <a:ext uri="{FF2B5EF4-FFF2-40B4-BE49-F238E27FC236}">
+                <a16:creationId xmlns:a16="http://schemas.microsoft.com/office/drawing/2014/main" id="{8BB2B5C1-092C-E6EC-C512-DC2DDF737AE6}"/>
+              </a:ext>
+            </a:extLst>
+          </p:cNvPr>
+          <p:cNvSpPr/>
+          <p:nvPr/>
+        </p:nvSpPr>
+        <p:spPr>
+          <a:xfrm>
+            <a:off x="6140585" y="2025062"/>
+            <a:ext cx="1035277" cy="201706"/>
+          </a:xfrm>
+          <a:prstGeom prst="rect">
+            <a:avLst/>
+          </a:prstGeom>
+          <a:noFill/>
+          <a:ln w="25400">
+            <a:solidFill>
+              <a:srgbClr val="FF0000"/>
+            </a:solidFill>
+          </a:ln>
+        </p:spPr>
+        <p:style>
+          <a:lnRef idx="2">
+            <a:schemeClr val="accent1">
+              <a:shade val="50000"/>
+            </a:schemeClr>
+          </a:lnRef>
+          <a:fillRef idx="1">
+            <a:schemeClr val="accent1"/>
+          </a:fillRef>
+          <a:effectRef idx="0">
+            <a:schemeClr val="accent1"/>
+          </a:effectRef>
+          <a:fontRef idx="minor">
+            <a:schemeClr val="lt1"/>
+          </a:fontRef>
+        </p:style>
+        <p:txBody>
+          <a:bodyPr rtlCol="0" anchor="t" anchorCtr="0"/>
+          <a:lstStyle/>
+          <a:p>
+            <a:pPr algn="r" rtl="1"/>
+            <a:r>
+              <a:rPr lang="en-US" sz="1100" dirty="0">
+                <a:solidFill>
+                  <a:srgbClr val="FF0000"/>
+                </a:solidFill>
+              </a:rPr>
+              <a:t>4</a:t>
+            </a:r>
+          </a:p>
+        </p:txBody>
+      </p:sp>
+      <p:sp>
+        <p:nvSpPr>
+          <p:cNvPr id="27" name="Rectangle 26">
+            <a:extLst>
+              <a:ext uri="{FF2B5EF4-FFF2-40B4-BE49-F238E27FC236}">
+                <a16:creationId xmlns:a16="http://schemas.microsoft.com/office/drawing/2014/main" id="{C84B4427-A541-D143-3E8D-17EC3A939BA0}"/>
+              </a:ext>
+            </a:extLst>
+          </p:cNvPr>
+          <p:cNvSpPr/>
+          <p:nvPr/>
+        </p:nvSpPr>
+        <p:spPr>
+          <a:xfrm>
+            <a:off x="4320494" y="3361510"/>
+            <a:ext cx="904649" cy="217714"/>
+          </a:xfrm>
+          <a:prstGeom prst="rect">
+            <a:avLst/>
+          </a:prstGeom>
+          <a:noFill/>
+          <a:ln w="25400">
+            <a:solidFill>
+              <a:srgbClr val="FF0000"/>
+            </a:solidFill>
+          </a:ln>
+        </p:spPr>
+        <p:style>
+          <a:lnRef idx="2">
+            <a:schemeClr val="accent1">
+              <a:shade val="50000"/>
+            </a:schemeClr>
+          </a:lnRef>
+          <a:fillRef idx="1">
+            <a:schemeClr val="accent1"/>
+          </a:fillRef>
+          <a:effectRef idx="0">
+            <a:schemeClr val="accent1"/>
+          </a:effectRef>
+          <a:fontRef idx="minor">
+            <a:schemeClr val="lt1"/>
+          </a:fontRef>
+        </p:style>
+        <p:txBody>
+          <a:bodyPr rtlCol="0" anchor="t" anchorCtr="0"/>
+          <a:lstStyle/>
+          <a:p>
+            <a:pPr algn="r" rtl="1"/>
+            <a:r>
+              <a:rPr lang="en-US" sz="1100" dirty="0">
+                <a:solidFill>
+                  <a:srgbClr val="FF0000"/>
+                </a:solidFill>
+              </a:rPr>
+              <a:t>5</a:t>
+            </a:r>
+          </a:p>
+        </p:txBody>
+      </p:sp>
+      <p:sp>
+        <p:nvSpPr>
+          <p:cNvPr id="28" name="Rectangle 27">
+            <a:extLst>
+              <a:ext uri="{FF2B5EF4-FFF2-40B4-BE49-F238E27FC236}">
+                <a16:creationId xmlns:a16="http://schemas.microsoft.com/office/drawing/2014/main" id="{281522D0-EC66-1BED-1680-6E4B5A7C529C}"/>
+              </a:ext>
+            </a:extLst>
+          </p:cNvPr>
+          <p:cNvSpPr/>
+          <p:nvPr/>
+        </p:nvSpPr>
+        <p:spPr>
+          <a:xfrm>
+            <a:off x="6001248" y="4308876"/>
+            <a:ext cx="904649" cy="219581"/>
+          </a:xfrm>
+          <a:prstGeom prst="rect">
+            <a:avLst/>
+          </a:prstGeom>
+          <a:noFill/>
+          <a:ln w="25400">
+            <a:solidFill>
+              <a:srgbClr val="FF0000"/>
+            </a:solidFill>
+          </a:ln>
+        </p:spPr>
+        <p:style>
+          <a:lnRef idx="2">
+            <a:schemeClr val="accent1">
+              <a:shade val="50000"/>
+            </a:schemeClr>
+          </a:lnRef>
+          <a:fillRef idx="1">
+            <a:schemeClr val="accent1"/>
+          </a:fillRef>
+          <a:effectRef idx="0">
+            <a:schemeClr val="accent1"/>
+          </a:effectRef>
+          <a:fontRef idx="minor">
+            <a:schemeClr val="lt1"/>
+          </a:fontRef>
+        </p:style>
+        <p:txBody>
+          <a:bodyPr rtlCol="0" anchor="t" anchorCtr="0"/>
+          <a:lstStyle/>
+          <a:p>
+            <a:pPr algn="r" rtl="1"/>
+            <a:r>
+              <a:rPr lang="en-US" sz="1100" dirty="0">
+                <a:solidFill>
+                  <a:srgbClr val="FF0000"/>
+                </a:solidFill>
+              </a:rPr>
+              <a:t>6</a:t>
+            </a:r>
+          </a:p>
+        </p:txBody>
+      </p:sp>
+      <p:sp>
+        <p:nvSpPr>
+          <p:cNvPr id="29" name="Rectangle 28">
+            <a:extLst>
+              <a:ext uri="{FF2B5EF4-FFF2-40B4-BE49-F238E27FC236}">
+                <a16:creationId xmlns:a16="http://schemas.microsoft.com/office/drawing/2014/main" id="{A7B7C7D0-E71E-75BD-4833-74E447A116DE}"/>
+              </a:ext>
+            </a:extLst>
+          </p:cNvPr>
+          <p:cNvSpPr/>
+          <p:nvPr/>
+        </p:nvSpPr>
+        <p:spPr>
+          <a:xfrm>
+            <a:off x="11104474" y="6629710"/>
+            <a:ext cx="904649" cy="219581"/>
+          </a:xfrm>
+          <a:prstGeom prst="rect">
+            <a:avLst/>
+          </a:prstGeom>
+          <a:noFill/>
+          <a:ln w="25400">
+            <a:solidFill>
+              <a:srgbClr val="FF0000"/>
+            </a:solidFill>
+          </a:ln>
+        </p:spPr>
+        <p:style>
+          <a:lnRef idx="2">
+            <a:schemeClr val="accent1">
+              <a:shade val="50000"/>
+            </a:schemeClr>
+          </a:lnRef>
+          <a:fillRef idx="1">
+            <a:schemeClr val="accent1"/>
+          </a:fillRef>
+          <a:effectRef idx="0">
+            <a:schemeClr val="accent1"/>
+          </a:effectRef>
+          <a:fontRef idx="minor">
+            <a:schemeClr val="lt1"/>
+          </a:fontRef>
+        </p:style>
+        <p:txBody>
+          <a:bodyPr rtlCol="0" anchor="t" anchorCtr="0"/>
+          <a:lstStyle/>
+          <a:p>
+            <a:pPr algn="r" rtl="1"/>
+            <a:r>
+              <a:rPr lang="en-US" sz="1100" dirty="0">
+                <a:solidFill>
+                  <a:srgbClr val="FF0000"/>
+                </a:solidFill>
+              </a:rPr>
+              <a:t>8</a:t>
+            </a:r>
+          </a:p>
+        </p:txBody>
+      </p:sp>
+    </p:spTree>
+    <p:extLst>
+      <p:ext uri="{BB962C8B-B14F-4D97-AF65-F5344CB8AC3E}">
+        <p14:creationId xmlns:p14="http://schemas.microsoft.com/office/powerpoint/2010/main" val="3287748060"/>
+      </p:ext>
+    </p:extLst>
+  </p:cSld>
+  <p:clrMapOvr>
+    <a:masterClrMapping/>
+  </p:clrMapOvr>
+</p:sld>
+</file>
+
 <file path=ppt/theme/theme1.xml><?xml version="1.0" encoding="utf-8"?>
 <a:theme xmlns:a="http://schemas.openxmlformats.org/drawingml/2006/main" name="Office Theme">
   <a:themeElements>

--- a/ppt/6.pptx
+++ b/ppt/6.pptx
@@ -11,6 +11,7 @@
     <p:sldId id="259" r:id="rId5"/>
     <p:sldId id="260" r:id="rId6"/>
     <p:sldId id="261" r:id="rId7"/>
+    <p:sldId id="262" r:id="rId8"/>
   </p:sldIdLst>
   <p:sldSz cx="12192000" cy="6858000"/>
   <p:notesSz cx="6858000" cy="9144000"/>
@@ -6202,6 +6203,332 @@
 </p:sld>
 </file>
 
+<file path=ppt/slides/slide7.xml><?xml version="1.0" encoding="utf-8"?>
+<p:sld xmlns:a="http://schemas.openxmlformats.org/drawingml/2006/main" xmlns:r="http://schemas.openxmlformats.org/officeDocument/2006/relationships" xmlns:p="http://schemas.openxmlformats.org/presentationml/2006/main">
+  <p:cSld>
+    <p:spTree>
+      <p:nvGrpSpPr>
+        <p:cNvPr id="1" name=""/>
+        <p:cNvGrpSpPr/>
+        <p:nvPr/>
+      </p:nvGrpSpPr>
+      <p:grpSpPr>
+        <a:xfrm>
+          <a:off x="0" y="0"/>
+          <a:ext cx="0" cy="0"/>
+          <a:chOff x="0" y="0"/>
+          <a:chExt cx="0" cy="0"/>
+        </a:xfrm>
+      </p:grpSpPr>
+      <p:pic>
+        <p:nvPicPr>
+          <p:cNvPr id="5" name="Picture 4">
+            <a:extLst>
+              <a:ext uri="{FF2B5EF4-FFF2-40B4-BE49-F238E27FC236}">
+                <a16:creationId xmlns:a16="http://schemas.microsoft.com/office/drawing/2014/main" id="{A8FDFE40-2E7F-1BC7-020D-8F38D366B4B1}"/>
+              </a:ext>
+            </a:extLst>
+          </p:cNvPr>
+          <p:cNvPicPr>
+            <a:picLocks noChangeAspect="1"/>
+          </p:cNvPicPr>
+          <p:nvPr/>
+        </p:nvPicPr>
+        <p:blipFill>
+          <a:blip r:embed="rId2"/>
+          <a:stretch>
+            <a:fillRect/>
+          </a:stretch>
+        </p:blipFill>
+        <p:spPr>
+          <a:xfrm>
+            <a:off x="0" y="0"/>
+            <a:ext cx="7016617" cy="4302034"/>
+          </a:xfrm>
+          <a:prstGeom prst="rect">
+            <a:avLst/>
+          </a:prstGeom>
+        </p:spPr>
+      </p:pic>
+      <p:pic>
+        <p:nvPicPr>
+          <p:cNvPr id="9" name="Picture 8">
+            <a:extLst>
+              <a:ext uri="{FF2B5EF4-FFF2-40B4-BE49-F238E27FC236}">
+                <a16:creationId xmlns:a16="http://schemas.microsoft.com/office/drawing/2014/main" id="{2CB7E70E-9403-22AF-D2CC-F36AC03424D7}"/>
+              </a:ext>
+            </a:extLst>
+          </p:cNvPr>
+          <p:cNvPicPr>
+            <a:picLocks noChangeAspect="1"/>
+          </p:cNvPicPr>
+          <p:nvPr/>
+        </p:nvPicPr>
+        <p:blipFill>
+          <a:blip r:embed="rId3"/>
+          <a:stretch>
+            <a:fillRect/>
+          </a:stretch>
+        </p:blipFill>
+        <p:spPr>
+          <a:xfrm>
+            <a:off x="4364403" y="1944589"/>
+            <a:ext cx="7827597" cy="4913411"/>
+          </a:xfrm>
+          <a:prstGeom prst="rect">
+            <a:avLst/>
+          </a:prstGeom>
+        </p:spPr>
+      </p:pic>
+      <p:sp>
+        <p:nvSpPr>
+          <p:cNvPr id="11" name="Rectangle 10">
+            <a:extLst>
+              <a:ext uri="{FF2B5EF4-FFF2-40B4-BE49-F238E27FC236}">
+                <a16:creationId xmlns:a16="http://schemas.microsoft.com/office/drawing/2014/main" id="{DC1EC079-1FD0-FB5B-10B9-A4B6752A2446}"/>
+              </a:ext>
+            </a:extLst>
+          </p:cNvPr>
+          <p:cNvSpPr/>
+          <p:nvPr/>
+        </p:nvSpPr>
+        <p:spPr>
+          <a:xfrm>
+            <a:off x="0" y="1802674"/>
+            <a:ext cx="836023" cy="209006"/>
+          </a:xfrm>
+          <a:prstGeom prst="rect">
+            <a:avLst/>
+          </a:prstGeom>
+          <a:noFill/>
+          <a:ln w="25400">
+            <a:solidFill>
+              <a:srgbClr val="FF0000"/>
+            </a:solidFill>
+          </a:ln>
+        </p:spPr>
+        <p:style>
+          <a:lnRef idx="2">
+            <a:schemeClr val="accent1">
+              <a:shade val="50000"/>
+            </a:schemeClr>
+          </a:lnRef>
+          <a:fillRef idx="1">
+            <a:schemeClr val="accent1"/>
+          </a:fillRef>
+          <a:effectRef idx="0">
+            <a:schemeClr val="accent1"/>
+          </a:effectRef>
+          <a:fontRef idx="minor">
+            <a:schemeClr val="lt1"/>
+          </a:fontRef>
+        </p:style>
+        <p:txBody>
+          <a:bodyPr rtlCol="0" anchor="t" anchorCtr="0"/>
+          <a:lstStyle/>
+          <a:p>
+            <a:pPr algn="r" rtl="1"/>
+            <a:r>
+              <a:rPr lang="en-US" sz="1100" dirty="0">
+                <a:solidFill>
+                  <a:srgbClr val="FF0000"/>
+                </a:solidFill>
+              </a:rPr>
+              <a:t>1</a:t>
+            </a:r>
+          </a:p>
+        </p:txBody>
+      </p:sp>
+      <p:sp>
+        <p:nvSpPr>
+          <p:cNvPr id="12" name="Rectangle 11">
+            <a:extLst>
+              <a:ext uri="{FF2B5EF4-FFF2-40B4-BE49-F238E27FC236}">
+                <a16:creationId xmlns:a16="http://schemas.microsoft.com/office/drawing/2014/main" id="{3BA573EF-3427-24EB-735D-04109A95AC02}"/>
+              </a:ext>
+            </a:extLst>
+          </p:cNvPr>
+          <p:cNvSpPr/>
+          <p:nvPr/>
+        </p:nvSpPr>
+        <p:spPr>
+          <a:xfrm>
+            <a:off x="1321248" y="3328147"/>
+            <a:ext cx="956748" cy="201706"/>
+          </a:xfrm>
+          <a:prstGeom prst="rect">
+            <a:avLst/>
+          </a:prstGeom>
+          <a:noFill/>
+          <a:ln w="25400">
+            <a:solidFill>
+              <a:srgbClr val="FF0000"/>
+            </a:solidFill>
+          </a:ln>
+        </p:spPr>
+        <p:style>
+          <a:lnRef idx="2">
+            <a:schemeClr val="accent1">
+              <a:shade val="50000"/>
+            </a:schemeClr>
+          </a:lnRef>
+          <a:fillRef idx="1">
+            <a:schemeClr val="accent1"/>
+          </a:fillRef>
+          <a:effectRef idx="0">
+            <a:schemeClr val="accent1"/>
+          </a:effectRef>
+          <a:fontRef idx="minor">
+            <a:schemeClr val="lt1"/>
+          </a:fontRef>
+        </p:style>
+        <p:txBody>
+          <a:bodyPr rtlCol="0" anchor="t" anchorCtr="0"/>
+          <a:lstStyle/>
+          <a:p>
+            <a:pPr algn="r" rtl="1"/>
+            <a:r>
+              <a:rPr lang="en-US" sz="1100" dirty="0">
+                <a:solidFill>
+                  <a:srgbClr val="FF0000"/>
+                </a:solidFill>
+              </a:rPr>
+              <a:t>2</a:t>
+            </a:r>
+          </a:p>
+        </p:txBody>
+      </p:sp>
+      <p:sp>
+        <p:nvSpPr>
+          <p:cNvPr id="13" name="Rectangle 12">
+            <a:extLst>
+              <a:ext uri="{FF2B5EF4-FFF2-40B4-BE49-F238E27FC236}">
+                <a16:creationId xmlns:a16="http://schemas.microsoft.com/office/drawing/2014/main" id="{1D57B5AF-F397-24D7-7303-E7CA730F9C78}"/>
+              </a:ext>
+            </a:extLst>
+          </p:cNvPr>
+          <p:cNvSpPr/>
+          <p:nvPr/>
+        </p:nvSpPr>
+        <p:spPr>
+          <a:xfrm>
+            <a:off x="6996147" y="2509540"/>
+            <a:ext cx="571602" cy="207533"/>
+          </a:xfrm>
+          <a:prstGeom prst="rect">
+            <a:avLst/>
+          </a:prstGeom>
+          <a:noFill/>
+          <a:ln w="25400">
+            <a:solidFill>
+              <a:srgbClr val="FF0000"/>
+            </a:solidFill>
+          </a:ln>
+        </p:spPr>
+        <p:style>
+          <a:lnRef idx="2">
+            <a:schemeClr val="accent1">
+              <a:shade val="50000"/>
+            </a:schemeClr>
+          </a:lnRef>
+          <a:fillRef idx="1">
+            <a:schemeClr val="accent1"/>
+          </a:fillRef>
+          <a:effectRef idx="0">
+            <a:schemeClr val="accent1"/>
+          </a:effectRef>
+          <a:fontRef idx="minor">
+            <a:schemeClr val="lt1"/>
+          </a:fontRef>
+        </p:style>
+        <p:txBody>
+          <a:bodyPr rtlCol="0" anchor="t" anchorCtr="0"/>
+          <a:lstStyle/>
+          <a:p>
+            <a:pPr algn="r" rtl="1"/>
+            <a:r>
+              <a:rPr lang="en-US" sz="1100" dirty="0">
+                <a:solidFill>
+                  <a:srgbClr val="FF0000"/>
+                </a:solidFill>
+              </a:rPr>
+              <a:t>3</a:t>
+            </a:r>
+          </a:p>
+        </p:txBody>
+      </p:sp>
+      <p:sp>
+        <p:nvSpPr>
+          <p:cNvPr id="14" name="Rectangle 13">
+            <a:extLst>
+              <a:ext uri="{FF2B5EF4-FFF2-40B4-BE49-F238E27FC236}">
+                <a16:creationId xmlns:a16="http://schemas.microsoft.com/office/drawing/2014/main" id="{2F318E19-16AD-B70B-5B76-167D02ABF1C6}"/>
+              </a:ext>
+            </a:extLst>
+          </p:cNvPr>
+          <p:cNvSpPr/>
+          <p:nvPr/>
+        </p:nvSpPr>
+        <p:spPr>
+          <a:xfrm>
+            <a:off x="5341519" y="3720031"/>
+            <a:ext cx="6650184" cy="2942026"/>
+          </a:xfrm>
+          <a:prstGeom prst="rect">
+            <a:avLst/>
+          </a:prstGeom>
+          <a:noFill/>
+          <a:ln w="25400">
+            <a:solidFill>
+              <a:srgbClr val="FF0000"/>
+            </a:solidFill>
+          </a:ln>
+        </p:spPr>
+        <p:style>
+          <a:lnRef idx="2">
+            <a:schemeClr val="accent1">
+              <a:shade val="50000"/>
+            </a:schemeClr>
+          </a:lnRef>
+          <a:fillRef idx="1">
+            <a:schemeClr val="accent1"/>
+          </a:fillRef>
+          <a:effectRef idx="0">
+            <a:schemeClr val="accent1"/>
+          </a:effectRef>
+          <a:fontRef idx="minor">
+            <a:schemeClr val="lt1"/>
+          </a:fontRef>
+        </p:style>
+        <p:txBody>
+          <a:bodyPr rtlCol="0" anchor="t" anchorCtr="0"/>
+          <a:lstStyle/>
+          <a:p>
+            <a:pPr algn="r" rtl="1"/>
+            <a:r>
+              <a:rPr lang="en-US" sz="1100" dirty="0">
+                <a:solidFill>
+                  <a:srgbClr val="FF0000"/>
+                </a:solidFill>
+              </a:rPr>
+              <a:t>4</a:t>
+            </a:r>
+          </a:p>
+        </p:txBody>
+      </p:sp>
+    </p:spTree>
+    <p:extLst>
+      <p:ext uri="{BB962C8B-B14F-4D97-AF65-F5344CB8AC3E}">
+        <p14:creationId xmlns:p14="http://schemas.microsoft.com/office/powerpoint/2010/main" val="1959710327"/>
+      </p:ext>
+    </p:extLst>
+  </p:cSld>
+  <p:clrMapOvr>
+    <a:masterClrMapping/>
+  </p:clrMapOvr>
+</p:sld>
+</file>
+
 <file path=ppt/theme/theme1.xml><?xml version="1.0" encoding="utf-8"?>
 <a:theme xmlns:a="http://schemas.openxmlformats.org/drawingml/2006/main" name="Office Theme">
   <a:themeElements>
